--- a/matrizes_2d_javascript.pptx
+++ b/matrizes_2d_javascript.pptx
@@ -3475,7 +3475,9 @@
         </p:nvSpPr>
         <p:spPr/>
         <p:txBody>
-          <a:bodyPr/>
+          <a:bodyPr>
+            <a:normAutofit fontScale="90000"/>
+          </a:bodyPr>
           <a:lstStyle/>
           <a:p>
             <a:r>
@@ -3812,7 +3814,9 @@
         </p:nvSpPr>
         <p:spPr/>
         <p:txBody>
-          <a:bodyPr/>
+          <a:bodyPr>
+            <a:normAutofit fontScale="90000"/>
+          </a:bodyPr>
           <a:lstStyle/>
           <a:p>
             <a:r>
@@ -3915,7 +3919,9 @@
         </p:nvSpPr>
         <p:spPr/>
         <p:txBody>
-          <a:bodyPr/>
+          <a:bodyPr>
+            <a:normAutofit fontScale="92500" lnSpcReduction="10000"/>
+          </a:bodyPr>
           <a:lstStyle/>
           <a:p>
             <a:r>
@@ -4049,15 +4055,7 @@
             </a:r>
             <a:r>
               <a:rPr lang="pt-BR" dirty="0"/>
-              <a:t> i = 0; i &lt; </a:t>
-            </a:r>
-            <a:r>
-              <a:rPr lang="pt-BR" dirty="0" err="1"/>
-              <a:t>matriz.length</a:t>
-            </a:r>
-            <a:r>
-              <a:rPr lang="pt-BR" dirty="0"/>
-              <a:t>; i++) {</a:t>
+              <a:t> i = 0; i &lt; 4; i++) {</a:t>
             </a:r>
           </a:p>
           <a:p>
@@ -4083,15 +4081,7 @@
             </a:r>
             <a:r>
               <a:rPr lang="pt-BR" dirty="0"/>
-              <a:t> j = 0; j &lt; matriz[i].</a:t>
-            </a:r>
-            <a:r>
-              <a:rPr lang="pt-BR" dirty="0" err="1"/>
-              <a:t>length</a:t>
-            </a:r>
-            <a:r>
-              <a:rPr lang="pt-BR" dirty="0"/>
-              <a:t>; j++) {</a:t>
+              <a:t> j = 0; j &lt; 3; j++) {</a:t>
             </a:r>
           </a:p>
           <a:p>
@@ -4546,6 +4536,13 @@
           <a:bodyPr/>
           <a:lstStyle/>
           <a:p>
+            <a:r>
+              <a:rPr lang="pt-BR" dirty="0"/>
+              <a:t>Instalar uma dependência Node</a:t>
+            </a:r>
+          </a:p>
+          <a:p>
+            <a:pPr lvl="1"/>
             <a:r>
               <a:rPr lang="pt-BR" dirty="0" err="1"/>
               <a:t>npm</a:t>

--- a/matrizes_2d_javascript.pptx
+++ b/matrizes_2d_javascript.pptx
@@ -15,8 +15,16 @@
     <p:sldId id="266" r:id="rId9"/>
     <p:sldId id="264" r:id="rId10"/>
     <p:sldId id="265" r:id="rId11"/>
-    <p:sldId id="268" r:id="rId12"/>
-    <p:sldId id="267" r:id="rId13"/>
+    <p:sldId id="269" r:id="rId12"/>
+    <p:sldId id="270" r:id="rId13"/>
+    <p:sldId id="271" r:id="rId14"/>
+    <p:sldId id="272" r:id="rId15"/>
+    <p:sldId id="273" r:id="rId16"/>
+    <p:sldId id="274" r:id="rId17"/>
+    <p:sldId id="275" r:id="rId18"/>
+    <p:sldId id="276" r:id="rId19"/>
+    <p:sldId id="277" r:id="rId20"/>
+    <p:sldId id="268" r:id="rId21"/>
   </p:sldIdLst>
   <p:sldSz cx="9144000" cy="6858000" type="screen4x3"/>
   <p:notesSz cx="6858000" cy="9144000"/>
@@ -313,7 +321,7 @@
           <a:p>
             <a:fld id="{5BCAD085-E8A6-8845-BD4E-CB4CCA059FC4}" type="datetimeFigureOut">
               <a:rPr lang="en-US" smtClean="0"/>
-              <a:t>8/21/2024</a:t>
+              <a:t>8/27/2024</a:t>
             </a:fld>
             <a:endParaRPr lang="en-US"/>
           </a:p>
@@ -481,7 +489,7 @@
           <a:p>
             <a:fld id="{5BCAD085-E8A6-8845-BD4E-CB4CCA059FC4}" type="datetimeFigureOut">
               <a:rPr lang="en-US" smtClean="0"/>
-              <a:t>8/21/2024</a:t>
+              <a:t>8/27/2024</a:t>
             </a:fld>
             <a:endParaRPr lang="en-US"/>
           </a:p>
@@ -659,7 +667,7 @@
           <a:p>
             <a:fld id="{5BCAD085-E8A6-8845-BD4E-CB4CCA059FC4}" type="datetimeFigureOut">
               <a:rPr lang="en-US" smtClean="0"/>
-              <a:t>8/21/2024</a:t>
+              <a:t>8/27/2024</a:t>
             </a:fld>
             <a:endParaRPr lang="en-US"/>
           </a:p>
@@ -827,7 +835,7 @@
           <a:p>
             <a:fld id="{5BCAD085-E8A6-8845-BD4E-CB4CCA059FC4}" type="datetimeFigureOut">
               <a:rPr lang="en-US" smtClean="0"/>
-              <a:t>8/21/2024</a:t>
+              <a:t>8/27/2024</a:t>
             </a:fld>
             <a:endParaRPr lang="en-US"/>
           </a:p>
@@ -1072,7 +1080,7 @@
           <a:p>
             <a:fld id="{5BCAD085-E8A6-8845-BD4E-CB4CCA059FC4}" type="datetimeFigureOut">
               <a:rPr lang="en-US" smtClean="0"/>
-              <a:t>8/21/2024</a:t>
+              <a:t>8/27/2024</a:t>
             </a:fld>
             <a:endParaRPr lang="en-US"/>
           </a:p>
@@ -1357,7 +1365,7 @@
           <a:p>
             <a:fld id="{5BCAD085-E8A6-8845-BD4E-CB4CCA059FC4}" type="datetimeFigureOut">
               <a:rPr lang="en-US" smtClean="0"/>
-              <a:t>8/21/2024</a:t>
+              <a:t>8/27/2024</a:t>
             </a:fld>
             <a:endParaRPr lang="en-US"/>
           </a:p>
@@ -1776,7 +1784,7 @@
           <a:p>
             <a:fld id="{5BCAD085-E8A6-8845-BD4E-CB4CCA059FC4}" type="datetimeFigureOut">
               <a:rPr lang="en-US" smtClean="0"/>
-              <a:t>8/21/2024</a:t>
+              <a:t>8/27/2024</a:t>
             </a:fld>
             <a:endParaRPr lang="en-US"/>
           </a:p>
@@ -1893,7 +1901,7 @@
           <a:p>
             <a:fld id="{5BCAD085-E8A6-8845-BD4E-CB4CCA059FC4}" type="datetimeFigureOut">
               <a:rPr lang="en-US" smtClean="0"/>
-              <a:t>8/21/2024</a:t>
+              <a:t>8/27/2024</a:t>
             </a:fld>
             <a:endParaRPr lang="en-US"/>
           </a:p>
@@ -1988,7 +1996,7 @@
           <a:p>
             <a:fld id="{5BCAD085-E8A6-8845-BD4E-CB4CCA059FC4}" type="datetimeFigureOut">
               <a:rPr lang="en-US" smtClean="0"/>
-              <a:t>8/21/2024</a:t>
+              <a:t>8/27/2024</a:t>
             </a:fld>
             <a:endParaRPr lang="en-US"/>
           </a:p>
@@ -2263,7 +2271,7 @@
           <a:p>
             <a:fld id="{5BCAD085-E8A6-8845-BD4E-CB4CCA059FC4}" type="datetimeFigureOut">
               <a:rPr lang="en-US" smtClean="0"/>
-              <a:t>8/21/2024</a:t>
+              <a:t>8/27/2024</a:t>
             </a:fld>
             <a:endParaRPr lang="en-US"/>
           </a:p>
@@ -2515,7 +2523,7 @@
           <a:p>
             <a:fld id="{5BCAD085-E8A6-8845-BD4E-CB4CCA059FC4}" type="datetimeFigureOut">
               <a:rPr lang="en-US" smtClean="0"/>
-              <a:t>8/21/2024</a:t>
+              <a:t>8/27/2024</a:t>
             </a:fld>
             <a:endParaRPr lang="en-US"/>
           </a:p>
@@ -2726,7 +2734,7 @@
           <a:p>
             <a:fld id="{5BCAD085-E8A6-8845-BD4E-CB4CCA059FC4}" type="datetimeFigureOut">
               <a:rPr lang="en-US" smtClean="0"/>
-              <a:t>8/21/2024</a:t>
+              <a:t>8/27/2024</a:t>
             </a:fld>
             <a:endParaRPr lang="en-US"/>
           </a:p>
@@ -3302,7 +3310,7 @@
           <p:cNvPr id="2" name="Título 1">
             <a:extLst>
               <a:ext uri="{FF2B5EF4-FFF2-40B4-BE49-F238E27FC236}">
-                <a16:creationId xmlns:a16="http://schemas.microsoft.com/office/drawing/2014/main" id="{E13F23D9-600F-D7F2-EA28-74791A9E9097}"/>
+                <a16:creationId xmlns:a16="http://schemas.microsoft.com/office/drawing/2014/main" id="{7B4469C5-A06B-9BC2-6F06-61300F1D0367}"/>
               </a:ext>
             </a:extLst>
           </p:cNvPr>
@@ -3313,14 +3321,19 @@
             <p:ph type="title"/>
           </p:nvPr>
         </p:nvSpPr>
-        <p:spPr/>
+        <p:spPr>
+          <a:xfrm>
+            <a:off x="329381" y="9167"/>
+            <a:ext cx="8229600" cy="1143000"/>
+          </a:xfrm>
+        </p:spPr>
         <p:txBody>
           <a:bodyPr/>
           <a:lstStyle/>
           <a:p>
             <a:r>
               <a:rPr lang="pt-BR" dirty="0"/>
-              <a:t>Usando matrizes com funções</a:t>
+              <a:t>Qual preferem?</a:t>
             </a:r>
           </a:p>
         </p:txBody>
@@ -3330,7 +3343,7 @@
           <p:cNvPr id="3" name="Espaço Reservado para Conteúdo 2">
             <a:extLst>
               <a:ext uri="{FF2B5EF4-FFF2-40B4-BE49-F238E27FC236}">
-                <a16:creationId xmlns:a16="http://schemas.microsoft.com/office/drawing/2014/main" id="{6006C90A-4141-D680-39F3-BE65F955DA42}"/>
+                <a16:creationId xmlns:a16="http://schemas.microsoft.com/office/drawing/2014/main" id="{FD796DD7-831D-BEC7-BFF3-1D4E90F8AFED}"/>
               </a:ext>
             </a:extLst>
           </p:cNvPr>
@@ -3346,14 +3359,74 @@
           <a:bodyPr/>
           <a:lstStyle/>
           <a:p>
-            <a:endParaRPr lang="pt-BR"/>
-          </a:p>
-        </p:txBody>
-      </p:sp>
+            <a:endParaRPr lang="pt-BR" dirty="0"/>
+          </a:p>
+        </p:txBody>
+      </p:sp>
+      <p:pic>
+        <p:nvPicPr>
+          <p:cNvPr id="7" name="Imagem 6">
+            <a:extLst>
+              <a:ext uri="{FF2B5EF4-FFF2-40B4-BE49-F238E27FC236}">
+                <a16:creationId xmlns:a16="http://schemas.microsoft.com/office/drawing/2014/main" id="{11093658-1EAA-6853-E50F-AA1C0FA6EF8D}"/>
+              </a:ext>
+            </a:extLst>
+          </p:cNvPr>
+          <p:cNvPicPr>
+            <a:picLocks noChangeAspect="1"/>
+          </p:cNvPicPr>
+          <p:nvPr/>
+        </p:nvPicPr>
+        <p:blipFill>
+          <a:blip r:embed="rId2"/>
+          <a:stretch>
+            <a:fillRect/>
+          </a:stretch>
+        </p:blipFill>
+        <p:spPr>
+          <a:xfrm>
+            <a:off x="1009153" y="1374475"/>
+            <a:ext cx="7125694" cy="2276793"/>
+          </a:xfrm>
+          <a:prstGeom prst="rect">
+            <a:avLst/>
+          </a:prstGeom>
+        </p:spPr>
+      </p:pic>
+      <p:pic>
+        <p:nvPicPr>
+          <p:cNvPr id="13" name="Imagem 12">
+            <a:extLst>
+              <a:ext uri="{FF2B5EF4-FFF2-40B4-BE49-F238E27FC236}">
+                <a16:creationId xmlns:a16="http://schemas.microsoft.com/office/drawing/2014/main" id="{E4473F8B-1CEA-6DF9-9BA8-F2B31159DA4F}"/>
+              </a:ext>
+            </a:extLst>
+          </p:cNvPr>
+          <p:cNvPicPr>
+            <a:picLocks noChangeAspect="1"/>
+          </p:cNvPicPr>
+          <p:nvPr/>
+        </p:nvPicPr>
+        <p:blipFill>
+          <a:blip r:embed="rId3"/>
+          <a:stretch>
+            <a:fillRect/>
+          </a:stretch>
+        </p:blipFill>
+        <p:spPr>
+          <a:xfrm>
+            <a:off x="1233021" y="4286114"/>
+            <a:ext cx="6677957" cy="1943371"/>
+          </a:xfrm>
+          <a:prstGeom prst="rect">
+            <a:avLst/>
+          </a:prstGeom>
+        </p:spPr>
+      </p:pic>
     </p:spTree>
     <p:extLst>
       <p:ext uri="{BB962C8B-B14F-4D97-AF65-F5344CB8AC3E}">
-        <p14:creationId xmlns:p14="http://schemas.microsoft.com/office/powerpoint/2010/main" val="733405521"/>
+        <p14:creationId xmlns:p14="http://schemas.microsoft.com/office/powerpoint/2010/main" val="3641688600"/>
       </p:ext>
     </p:extLst>
   </p:cSld>
@@ -3385,7 +3458,7 @@
           <p:cNvPr id="2" name="Título 1">
             <a:extLst>
               <a:ext uri="{FF2B5EF4-FFF2-40B4-BE49-F238E27FC236}">
-                <a16:creationId xmlns:a16="http://schemas.microsoft.com/office/drawing/2014/main" id="{024299EA-C843-3710-2A86-DF41882B7729}"/>
+                <a16:creationId xmlns:a16="http://schemas.microsoft.com/office/drawing/2014/main" id="{A6820F77-08CF-3BAD-221D-ABE11B8EC52A}"/>
               </a:ext>
             </a:extLst>
           </p:cNvPr>
@@ -3403,7 +3476,15 @@
           <a:p>
             <a:r>
               <a:rPr lang="pt-BR" dirty="0"/>
-              <a:t>Vetores e Matrizes juntas</a:t>
+              <a:t>Usando </a:t>
+            </a:r>
+            <a:r>
+              <a:rPr lang="pt-BR" dirty="0" err="1"/>
+              <a:t>map</a:t>
+            </a:r>
+            <a:r>
+              <a:rPr lang="pt-BR" dirty="0"/>
+              <a:t> para criar nova matriz</a:t>
             </a:r>
           </a:p>
         </p:txBody>
@@ -3413,7 +3494,7 @@
           <p:cNvPr id="3" name="Espaço Reservado para Conteúdo 2">
             <a:extLst>
               <a:ext uri="{FF2B5EF4-FFF2-40B4-BE49-F238E27FC236}">
-                <a16:creationId xmlns:a16="http://schemas.microsoft.com/office/drawing/2014/main" id="{CD5A32CD-A57B-CBA6-B08F-99C03B6A761C}"/>
+                <a16:creationId xmlns:a16="http://schemas.microsoft.com/office/drawing/2014/main" id="{87737DCB-3D35-9C70-BCE9-EEF15F51814D}"/>
               </a:ext>
             </a:extLst>
           </p:cNvPr>
@@ -3433,10 +3514,812 @@
           </a:p>
         </p:txBody>
       </p:sp>
+      <p:pic>
+        <p:nvPicPr>
+          <p:cNvPr id="7" name="Imagem 6">
+            <a:extLst>
+              <a:ext uri="{FF2B5EF4-FFF2-40B4-BE49-F238E27FC236}">
+                <a16:creationId xmlns:a16="http://schemas.microsoft.com/office/drawing/2014/main" id="{2EEB16C1-0A2A-CEE2-14DF-6C1B221A5E03}"/>
+              </a:ext>
+            </a:extLst>
+          </p:cNvPr>
+          <p:cNvPicPr>
+            <a:picLocks noChangeAspect="1"/>
+          </p:cNvPicPr>
+          <p:nvPr/>
+        </p:nvPicPr>
+        <p:blipFill>
+          <a:blip r:embed="rId2"/>
+          <a:stretch>
+            <a:fillRect/>
+          </a:stretch>
+        </p:blipFill>
+        <p:spPr>
+          <a:xfrm>
+            <a:off x="761468" y="2538288"/>
+            <a:ext cx="7621064" cy="1781424"/>
+          </a:xfrm>
+          <a:prstGeom prst="rect">
+            <a:avLst/>
+          </a:prstGeom>
+        </p:spPr>
+      </p:pic>
     </p:spTree>
     <p:extLst>
       <p:ext uri="{BB962C8B-B14F-4D97-AF65-F5344CB8AC3E}">
-        <p14:creationId xmlns:p14="http://schemas.microsoft.com/office/powerpoint/2010/main" val="3267590591"/>
+        <p14:creationId xmlns:p14="http://schemas.microsoft.com/office/powerpoint/2010/main" val="3283710441"/>
+      </p:ext>
+    </p:extLst>
+  </p:cSld>
+  <p:clrMapOvr>
+    <a:masterClrMapping/>
+  </p:clrMapOvr>
+</p:sld>
+</file>
+
+<file path=ppt/slides/slide13.xml><?xml version="1.0" encoding="utf-8"?>
+<p:sld xmlns:a="http://schemas.openxmlformats.org/drawingml/2006/main" xmlns:r="http://schemas.openxmlformats.org/officeDocument/2006/relationships" xmlns:p="http://schemas.openxmlformats.org/presentationml/2006/main">
+  <p:cSld>
+    <p:spTree>
+      <p:nvGrpSpPr>
+        <p:cNvPr id="1" name=""/>
+        <p:cNvGrpSpPr/>
+        <p:nvPr/>
+      </p:nvGrpSpPr>
+      <p:grpSpPr>
+        <a:xfrm>
+          <a:off x="0" y="0"/>
+          <a:ext cx="0" cy="0"/>
+          <a:chOff x="0" y="0"/>
+          <a:chExt cx="0" cy="0"/>
+        </a:xfrm>
+      </p:grpSpPr>
+      <p:sp>
+        <p:nvSpPr>
+          <p:cNvPr id="2" name="Título 1">
+            <a:extLst>
+              <a:ext uri="{FF2B5EF4-FFF2-40B4-BE49-F238E27FC236}">
+                <a16:creationId xmlns:a16="http://schemas.microsoft.com/office/drawing/2014/main" id="{85D79876-190A-B9E5-DEF3-F7D88C87AE82}"/>
+              </a:ext>
+            </a:extLst>
+          </p:cNvPr>
+          <p:cNvSpPr>
+            <a:spLocks noGrp="1"/>
+          </p:cNvSpPr>
+          <p:nvPr>
+            <p:ph type="title"/>
+          </p:nvPr>
+        </p:nvSpPr>
+        <p:spPr/>
+        <p:txBody>
+          <a:bodyPr>
+            <a:normAutofit fontScale="90000"/>
+          </a:bodyPr>
+          <a:lstStyle/>
+          <a:p>
+            <a:r>
+              <a:rPr lang="pt-BR" dirty="0"/>
+              <a:t>Usando </a:t>
+            </a:r>
+            <a:r>
+              <a:rPr lang="pt-BR" dirty="0" err="1"/>
+              <a:t>forEach</a:t>
+            </a:r>
+            <a:r>
+              <a:rPr lang="pt-BR" dirty="0"/>
+              <a:t> para percorrer matriz</a:t>
+            </a:r>
+          </a:p>
+        </p:txBody>
+      </p:sp>
+      <p:sp>
+        <p:nvSpPr>
+          <p:cNvPr id="3" name="Espaço Reservado para Conteúdo 2">
+            <a:extLst>
+              <a:ext uri="{FF2B5EF4-FFF2-40B4-BE49-F238E27FC236}">
+                <a16:creationId xmlns:a16="http://schemas.microsoft.com/office/drawing/2014/main" id="{376A49D0-FE57-3C21-AC28-48A175C2225B}"/>
+              </a:ext>
+            </a:extLst>
+          </p:cNvPr>
+          <p:cNvSpPr>
+            <a:spLocks noGrp="1"/>
+          </p:cNvSpPr>
+          <p:nvPr>
+            <p:ph idx="1"/>
+          </p:nvPr>
+        </p:nvSpPr>
+        <p:spPr/>
+        <p:txBody>
+          <a:bodyPr/>
+          <a:lstStyle/>
+          <a:p>
+            <a:endParaRPr lang="pt-BR"/>
+          </a:p>
+        </p:txBody>
+      </p:sp>
+      <p:pic>
+        <p:nvPicPr>
+          <p:cNvPr id="5" name="Imagem 4">
+            <a:extLst>
+              <a:ext uri="{FF2B5EF4-FFF2-40B4-BE49-F238E27FC236}">
+                <a16:creationId xmlns:a16="http://schemas.microsoft.com/office/drawing/2014/main" id="{0DECF482-D37C-34A0-377E-96A2122647B8}"/>
+              </a:ext>
+            </a:extLst>
+          </p:cNvPr>
+          <p:cNvPicPr>
+            <a:picLocks noChangeAspect="1"/>
+          </p:cNvPicPr>
+          <p:nvPr/>
+        </p:nvPicPr>
+        <p:blipFill>
+          <a:blip r:embed="rId2"/>
+          <a:stretch>
+            <a:fillRect/>
+          </a:stretch>
+        </p:blipFill>
+        <p:spPr>
+          <a:xfrm>
+            <a:off x="0" y="2158456"/>
+            <a:ext cx="9144000" cy="2816389"/>
+          </a:xfrm>
+          <a:prstGeom prst="rect">
+            <a:avLst/>
+          </a:prstGeom>
+        </p:spPr>
+      </p:pic>
+    </p:spTree>
+    <p:extLst>
+      <p:ext uri="{BB962C8B-B14F-4D97-AF65-F5344CB8AC3E}">
+        <p14:creationId xmlns:p14="http://schemas.microsoft.com/office/powerpoint/2010/main" val="3612625148"/>
+      </p:ext>
+    </p:extLst>
+  </p:cSld>
+  <p:clrMapOvr>
+    <a:masterClrMapping/>
+  </p:clrMapOvr>
+</p:sld>
+</file>
+
+<file path=ppt/slides/slide14.xml><?xml version="1.0" encoding="utf-8"?>
+<p:sld xmlns:a="http://schemas.openxmlformats.org/drawingml/2006/main" xmlns:r="http://schemas.openxmlformats.org/officeDocument/2006/relationships" xmlns:p="http://schemas.openxmlformats.org/presentationml/2006/main">
+  <p:cSld>
+    <p:spTree>
+      <p:nvGrpSpPr>
+        <p:cNvPr id="1" name=""/>
+        <p:cNvGrpSpPr/>
+        <p:nvPr/>
+      </p:nvGrpSpPr>
+      <p:grpSpPr>
+        <a:xfrm>
+          <a:off x="0" y="0"/>
+          <a:ext cx="0" cy="0"/>
+          <a:chOff x="0" y="0"/>
+          <a:chExt cx="0" cy="0"/>
+        </a:xfrm>
+      </p:grpSpPr>
+      <p:sp>
+        <p:nvSpPr>
+          <p:cNvPr id="2" name="Título 1">
+            <a:extLst>
+              <a:ext uri="{FF2B5EF4-FFF2-40B4-BE49-F238E27FC236}">
+                <a16:creationId xmlns:a16="http://schemas.microsoft.com/office/drawing/2014/main" id="{F79E9C32-5361-2372-94B1-C5E6D4E1B422}"/>
+              </a:ext>
+            </a:extLst>
+          </p:cNvPr>
+          <p:cNvSpPr>
+            <a:spLocks noGrp="1"/>
+          </p:cNvSpPr>
+          <p:nvPr>
+            <p:ph type="title"/>
+          </p:nvPr>
+        </p:nvSpPr>
+        <p:spPr/>
+        <p:txBody>
+          <a:bodyPr/>
+          <a:lstStyle/>
+          <a:p>
+            <a:endParaRPr lang="pt-BR"/>
+          </a:p>
+        </p:txBody>
+      </p:sp>
+      <p:sp>
+        <p:nvSpPr>
+          <p:cNvPr id="3" name="Espaço Reservado para Conteúdo 2">
+            <a:extLst>
+              <a:ext uri="{FF2B5EF4-FFF2-40B4-BE49-F238E27FC236}">
+                <a16:creationId xmlns:a16="http://schemas.microsoft.com/office/drawing/2014/main" id="{EDDDBF97-8269-963F-B8F2-510CC5E72F33}"/>
+              </a:ext>
+            </a:extLst>
+          </p:cNvPr>
+          <p:cNvSpPr>
+            <a:spLocks noGrp="1"/>
+          </p:cNvSpPr>
+          <p:nvPr>
+            <p:ph idx="1"/>
+          </p:nvPr>
+        </p:nvSpPr>
+        <p:spPr/>
+        <p:txBody>
+          <a:bodyPr/>
+          <a:lstStyle/>
+          <a:p>
+            <a:endParaRPr lang="pt-BR"/>
+          </a:p>
+        </p:txBody>
+      </p:sp>
+      <p:pic>
+        <p:nvPicPr>
+          <p:cNvPr id="5" name="Imagem 4">
+            <a:extLst>
+              <a:ext uri="{FF2B5EF4-FFF2-40B4-BE49-F238E27FC236}">
+                <a16:creationId xmlns:a16="http://schemas.microsoft.com/office/drawing/2014/main" id="{F33AD40F-6B69-AA4B-781B-DDB93A532017}"/>
+              </a:ext>
+            </a:extLst>
+          </p:cNvPr>
+          <p:cNvPicPr>
+            <a:picLocks noChangeAspect="1"/>
+          </p:cNvPicPr>
+          <p:nvPr/>
+        </p:nvPicPr>
+        <p:blipFill>
+          <a:blip r:embed="rId2"/>
+          <a:stretch>
+            <a:fillRect/>
+          </a:stretch>
+        </p:blipFill>
+        <p:spPr>
+          <a:xfrm>
+            <a:off x="0" y="2235956"/>
+            <a:ext cx="9144000" cy="2386087"/>
+          </a:xfrm>
+          <a:prstGeom prst="rect">
+            <a:avLst/>
+          </a:prstGeom>
+        </p:spPr>
+      </p:pic>
+    </p:spTree>
+    <p:extLst>
+      <p:ext uri="{BB962C8B-B14F-4D97-AF65-F5344CB8AC3E}">
+        <p14:creationId xmlns:p14="http://schemas.microsoft.com/office/powerpoint/2010/main" val="408628245"/>
+      </p:ext>
+    </p:extLst>
+  </p:cSld>
+  <p:clrMapOvr>
+    <a:masterClrMapping/>
+  </p:clrMapOvr>
+</p:sld>
+</file>
+
+<file path=ppt/slides/slide15.xml><?xml version="1.0" encoding="utf-8"?>
+<p:sld xmlns:a="http://schemas.openxmlformats.org/drawingml/2006/main" xmlns:r="http://schemas.openxmlformats.org/officeDocument/2006/relationships" xmlns:p="http://schemas.openxmlformats.org/presentationml/2006/main">
+  <p:cSld>
+    <p:spTree>
+      <p:nvGrpSpPr>
+        <p:cNvPr id="1" name=""/>
+        <p:cNvGrpSpPr/>
+        <p:nvPr/>
+      </p:nvGrpSpPr>
+      <p:grpSpPr>
+        <a:xfrm>
+          <a:off x="0" y="0"/>
+          <a:ext cx="0" cy="0"/>
+          <a:chOff x="0" y="0"/>
+          <a:chExt cx="0" cy="0"/>
+        </a:xfrm>
+      </p:grpSpPr>
+      <p:sp>
+        <p:nvSpPr>
+          <p:cNvPr id="2" name="Título 1">
+            <a:extLst>
+              <a:ext uri="{FF2B5EF4-FFF2-40B4-BE49-F238E27FC236}">
+                <a16:creationId xmlns:a16="http://schemas.microsoft.com/office/drawing/2014/main" id="{C0968077-C823-4B12-8D49-477F3AECE79A}"/>
+              </a:ext>
+            </a:extLst>
+          </p:cNvPr>
+          <p:cNvSpPr>
+            <a:spLocks noGrp="1"/>
+          </p:cNvSpPr>
+          <p:nvPr>
+            <p:ph type="title"/>
+          </p:nvPr>
+        </p:nvSpPr>
+        <p:spPr/>
+        <p:txBody>
+          <a:bodyPr/>
+          <a:lstStyle/>
+          <a:p>
+            <a:endParaRPr lang="pt-BR"/>
+          </a:p>
+        </p:txBody>
+      </p:sp>
+      <p:sp>
+        <p:nvSpPr>
+          <p:cNvPr id="3" name="Espaço Reservado para Conteúdo 2">
+            <a:extLst>
+              <a:ext uri="{FF2B5EF4-FFF2-40B4-BE49-F238E27FC236}">
+                <a16:creationId xmlns:a16="http://schemas.microsoft.com/office/drawing/2014/main" id="{D666BB84-F55F-7A97-1220-E728E3FCF3F5}"/>
+              </a:ext>
+            </a:extLst>
+          </p:cNvPr>
+          <p:cNvSpPr>
+            <a:spLocks noGrp="1"/>
+          </p:cNvSpPr>
+          <p:nvPr>
+            <p:ph idx="1"/>
+          </p:nvPr>
+        </p:nvSpPr>
+        <p:spPr/>
+        <p:txBody>
+          <a:bodyPr/>
+          <a:lstStyle/>
+          <a:p>
+            <a:endParaRPr lang="pt-BR"/>
+          </a:p>
+        </p:txBody>
+      </p:sp>
+      <p:pic>
+        <p:nvPicPr>
+          <p:cNvPr id="5" name="Imagem 4">
+            <a:extLst>
+              <a:ext uri="{FF2B5EF4-FFF2-40B4-BE49-F238E27FC236}">
+                <a16:creationId xmlns:a16="http://schemas.microsoft.com/office/drawing/2014/main" id="{8232D963-BD99-BC5B-DEA7-560642510659}"/>
+              </a:ext>
+            </a:extLst>
+          </p:cNvPr>
+          <p:cNvPicPr>
+            <a:picLocks noChangeAspect="1"/>
+          </p:cNvPicPr>
+          <p:nvPr/>
+        </p:nvPicPr>
+        <p:blipFill>
+          <a:blip r:embed="rId2"/>
+          <a:stretch>
+            <a:fillRect/>
+          </a:stretch>
+        </p:blipFill>
+        <p:spPr>
+          <a:xfrm>
+            <a:off x="832915" y="1909550"/>
+            <a:ext cx="7478169" cy="3038899"/>
+          </a:xfrm>
+          <a:prstGeom prst="rect">
+            <a:avLst/>
+          </a:prstGeom>
+        </p:spPr>
+      </p:pic>
+    </p:spTree>
+    <p:extLst>
+      <p:ext uri="{BB962C8B-B14F-4D97-AF65-F5344CB8AC3E}">
+        <p14:creationId xmlns:p14="http://schemas.microsoft.com/office/powerpoint/2010/main" val="2920281911"/>
+      </p:ext>
+    </p:extLst>
+  </p:cSld>
+  <p:clrMapOvr>
+    <a:masterClrMapping/>
+  </p:clrMapOvr>
+</p:sld>
+</file>
+
+<file path=ppt/slides/slide16.xml><?xml version="1.0" encoding="utf-8"?>
+<p:sld xmlns:a="http://schemas.openxmlformats.org/drawingml/2006/main" xmlns:r="http://schemas.openxmlformats.org/officeDocument/2006/relationships" xmlns:p="http://schemas.openxmlformats.org/presentationml/2006/main">
+  <p:cSld>
+    <p:spTree>
+      <p:nvGrpSpPr>
+        <p:cNvPr id="1" name=""/>
+        <p:cNvGrpSpPr/>
+        <p:nvPr/>
+      </p:nvGrpSpPr>
+      <p:grpSpPr>
+        <a:xfrm>
+          <a:off x="0" y="0"/>
+          <a:ext cx="0" cy="0"/>
+          <a:chOff x="0" y="0"/>
+          <a:chExt cx="0" cy="0"/>
+        </a:xfrm>
+      </p:grpSpPr>
+      <p:sp>
+        <p:nvSpPr>
+          <p:cNvPr id="2" name="Título 1">
+            <a:extLst>
+              <a:ext uri="{FF2B5EF4-FFF2-40B4-BE49-F238E27FC236}">
+                <a16:creationId xmlns:a16="http://schemas.microsoft.com/office/drawing/2014/main" id="{3872B9B8-262F-9352-17A0-9530DDA7FA0F}"/>
+              </a:ext>
+            </a:extLst>
+          </p:cNvPr>
+          <p:cNvSpPr>
+            <a:spLocks noGrp="1"/>
+          </p:cNvSpPr>
+          <p:nvPr>
+            <p:ph type="title"/>
+          </p:nvPr>
+        </p:nvSpPr>
+        <p:spPr/>
+        <p:txBody>
+          <a:bodyPr/>
+          <a:lstStyle/>
+          <a:p>
+            <a:endParaRPr lang="pt-BR"/>
+          </a:p>
+        </p:txBody>
+      </p:sp>
+      <p:sp>
+        <p:nvSpPr>
+          <p:cNvPr id="3" name="Espaço Reservado para Conteúdo 2">
+            <a:extLst>
+              <a:ext uri="{FF2B5EF4-FFF2-40B4-BE49-F238E27FC236}">
+                <a16:creationId xmlns:a16="http://schemas.microsoft.com/office/drawing/2014/main" id="{0FE2CF23-151B-69E6-05F9-AABFB2436EB9}"/>
+              </a:ext>
+            </a:extLst>
+          </p:cNvPr>
+          <p:cNvSpPr>
+            <a:spLocks noGrp="1"/>
+          </p:cNvSpPr>
+          <p:nvPr>
+            <p:ph idx="1"/>
+          </p:nvPr>
+        </p:nvSpPr>
+        <p:spPr/>
+        <p:txBody>
+          <a:bodyPr/>
+          <a:lstStyle/>
+          <a:p>
+            <a:endParaRPr lang="pt-BR"/>
+          </a:p>
+        </p:txBody>
+      </p:sp>
+      <p:pic>
+        <p:nvPicPr>
+          <p:cNvPr id="10" name="Imagem 9">
+            <a:extLst>
+              <a:ext uri="{FF2B5EF4-FFF2-40B4-BE49-F238E27FC236}">
+                <a16:creationId xmlns:a16="http://schemas.microsoft.com/office/drawing/2014/main" id="{55B16E1D-D333-39A2-3C5A-9AC0B6D29EDD}"/>
+              </a:ext>
+            </a:extLst>
+          </p:cNvPr>
+          <p:cNvPicPr>
+            <a:picLocks noChangeAspect="1"/>
+          </p:cNvPicPr>
+          <p:nvPr/>
+        </p:nvPicPr>
+        <p:blipFill>
+          <a:blip r:embed="rId2"/>
+          <a:stretch>
+            <a:fillRect/>
+          </a:stretch>
+        </p:blipFill>
+        <p:spPr>
+          <a:xfrm>
+            <a:off x="770994" y="1600200"/>
+            <a:ext cx="7602011" cy="4401164"/>
+          </a:xfrm>
+          <a:prstGeom prst="rect">
+            <a:avLst/>
+          </a:prstGeom>
+        </p:spPr>
+      </p:pic>
+    </p:spTree>
+    <p:extLst>
+      <p:ext uri="{BB962C8B-B14F-4D97-AF65-F5344CB8AC3E}">
+        <p14:creationId xmlns:p14="http://schemas.microsoft.com/office/powerpoint/2010/main" val="690887651"/>
+      </p:ext>
+    </p:extLst>
+  </p:cSld>
+  <p:clrMapOvr>
+    <a:masterClrMapping/>
+  </p:clrMapOvr>
+</p:sld>
+</file>
+
+<file path=ppt/slides/slide17.xml><?xml version="1.0" encoding="utf-8"?>
+<p:sld xmlns:a="http://schemas.openxmlformats.org/drawingml/2006/main" xmlns:r="http://schemas.openxmlformats.org/officeDocument/2006/relationships" xmlns:p="http://schemas.openxmlformats.org/presentationml/2006/main">
+  <p:cSld>
+    <p:spTree>
+      <p:nvGrpSpPr>
+        <p:cNvPr id="1" name=""/>
+        <p:cNvGrpSpPr/>
+        <p:nvPr/>
+      </p:nvGrpSpPr>
+      <p:grpSpPr>
+        <a:xfrm>
+          <a:off x="0" y="0"/>
+          <a:ext cx="0" cy="0"/>
+          <a:chOff x="0" y="0"/>
+          <a:chExt cx="0" cy="0"/>
+        </a:xfrm>
+      </p:grpSpPr>
+      <p:sp>
+        <p:nvSpPr>
+          <p:cNvPr id="2" name="Título 1">
+            <a:extLst>
+              <a:ext uri="{FF2B5EF4-FFF2-40B4-BE49-F238E27FC236}">
+                <a16:creationId xmlns:a16="http://schemas.microsoft.com/office/drawing/2014/main" id="{8EC4F0B1-D64C-FCD1-8A8C-B9E0E61553A7}"/>
+              </a:ext>
+            </a:extLst>
+          </p:cNvPr>
+          <p:cNvSpPr>
+            <a:spLocks noGrp="1"/>
+          </p:cNvSpPr>
+          <p:nvPr>
+            <p:ph type="title"/>
+          </p:nvPr>
+        </p:nvSpPr>
+        <p:spPr/>
+        <p:txBody>
+          <a:bodyPr/>
+          <a:lstStyle/>
+          <a:p>
+            <a:r>
+              <a:rPr lang="pt-BR" dirty="0"/>
+              <a:t>Função </a:t>
+            </a:r>
+            <a:r>
+              <a:rPr lang="pt-BR" dirty="0" err="1"/>
+              <a:t>reduce</a:t>
+            </a:r>
+            <a:endParaRPr lang="pt-BR" dirty="0"/>
+          </a:p>
+        </p:txBody>
+      </p:sp>
+      <p:sp>
+        <p:nvSpPr>
+          <p:cNvPr id="3" name="Espaço Reservado para Conteúdo 2">
+            <a:extLst>
+              <a:ext uri="{FF2B5EF4-FFF2-40B4-BE49-F238E27FC236}">
+                <a16:creationId xmlns:a16="http://schemas.microsoft.com/office/drawing/2014/main" id="{CD22CE83-B475-A73A-76F1-B81AA6FA068F}"/>
+              </a:ext>
+            </a:extLst>
+          </p:cNvPr>
+          <p:cNvSpPr>
+            <a:spLocks noGrp="1"/>
+          </p:cNvSpPr>
+          <p:nvPr>
+            <p:ph idx="1"/>
+          </p:nvPr>
+        </p:nvSpPr>
+        <p:spPr/>
+        <p:txBody>
+          <a:bodyPr/>
+          <a:lstStyle/>
+          <a:p>
+            <a:endParaRPr lang="pt-BR"/>
+          </a:p>
+        </p:txBody>
+      </p:sp>
+      <p:pic>
+        <p:nvPicPr>
+          <p:cNvPr id="5" name="Imagem 4">
+            <a:extLst>
+              <a:ext uri="{FF2B5EF4-FFF2-40B4-BE49-F238E27FC236}">
+                <a16:creationId xmlns:a16="http://schemas.microsoft.com/office/drawing/2014/main" id="{4C53D505-C941-2AD7-3D90-2F22787FAAA6}"/>
+              </a:ext>
+            </a:extLst>
+          </p:cNvPr>
+          <p:cNvPicPr>
+            <a:picLocks noChangeAspect="1"/>
+          </p:cNvPicPr>
+          <p:nvPr/>
+        </p:nvPicPr>
+        <p:blipFill>
+          <a:blip r:embed="rId2"/>
+          <a:stretch>
+            <a:fillRect/>
+          </a:stretch>
+        </p:blipFill>
+        <p:spPr>
+          <a:xfrm>
+            <a:off x="78658" y="1763210"/>
+            <a:ext cx="9144000" cy="4727759"/>
+          </a:xfrm>
+          <a:prstGeom prst="rect">
+            <a:avLst/>
+          </a:prstGeom>
+        </p:spPr>
+      </p:pic>
+    </p:spTree>
+    <p:extLst>
+      <p:ext uri="{BB962C8B-B14F-4D97-AF65-F5344CB8AC3E}">
+        <p14:creationId xmlns:p14="http://schemas.microsoft.com/office/powerpoint/2010/main" val="3479232508"/>
+      </p:ext>
+    </p:extLst>
+  </p:cSld>
+  <p:clrMapOvr>
+    <a:masterClrMapping/>
+  </p:clrMapOvr>
+</p:sld>
+</file>
+
+<file path=ppt/slides/slide18.xml><?xml version="1.0" encoding="utf-8"?>
+<p:sld xmlns:a="http://schemas.openxmlformats.org/drawingml/2006/main" xmlns:r="http://schemas.openxmlformats.org/officeDocument/2006/relationships" xmlns:p="http://schemas.openxmlformats.org/presentationml/2006/main">
+  <p:cSld>
+    <p:spTree>
+      <p:nvGrpSpPr>
+        <p:cNvPr id="1" name=""/>
+        <p:cNvGrpSpPr/>
+        <p:nvPr/>
+      </p:nvGrpSpPr>
+      <p:grpSpPr>
+        <a:xfrm>
+          <a:off x="0" y="0"/>
+          <a:ext cx="0" cy="0"/>
+          <a:chOff x="0" y="0"/>
+          <a:chExt cx="0" cy="0"/>
+        </a:xfrm>
+      </p:grpSpPr>
+      <p:sp>
+        <p:nvSpPr>
+          <p:cNvPr id="2" name="Título 1">
+            <a:extLst>
+              <a:ext uri="{FF2B5EF4-FFF2-40B4-BE49-F238E27FC236}">
+                <a16:creationId xmlns:a16="http://schemas.microsoft.com/office/drawing/2014/main" id="{74746F31-DE59-1246-FAF9-30F19C3654A2}"/>
+              </a:ext>
+            </a:extLst>
+          </p:cNvPr>
+          <p:cNvSpPr>
+            <a:spLocks noGrp="1"/>
+          </p:cNvSpPr>
+          <p:nvPr>
+            <p:ph type="title"/>
+          </p:nvPr>
+        </p:nvSpPr>
+        <p:spPr/>
+        <p:txBody>
+          <a:bodyPr/>
+          <a:lstStyle/>
+          <a:p>
+            <a:r>
+              <a:rPr lang="pt-BR" dirty="0"/>
+              <a:t>Função </a:t>
+            </a:r>
+            <a:r>
+              <a:rPr lang="pt-BR" dirty="0" err="1"/>
+              <a:t>reduce</a:t>
+            </a:r>
+            <a:r>
+              <a:rPr lang="pt-BR" dirty="0"/>
+              <a:t> com matriz</a:t>
+            </a:r>
+          </a:p>
+        </p:txBody>
+      </p:sp>
+      <p:sp>
+        <p:nvSpPr>
+          <p:cNvPr id="3" name="Espaço Reservado para Conteúdo 2">
+            <a:extLst>
+              <a:ext uri="{FF2B5EF4-FFF2-40B4-BE49-F238E27FC236}">
+                <a16:creationId xmlns:a16="http://schemas.microsoft.com/office/drawing/2014/main" id="{48C3D066-30B7-D9D8-8987-2CCDBEE04C61}"/>
+              </a:ext>
+            </a:extLst>
+          </p:cNvPr>
+          <p:cNvSpPr>
+            <a:spLocks noGrp="1"/>
+          </p:cNvSpPr>
+          <p:nvPr>
+            <p:ph idx="1"/>
+          </p:nvPr>
+        </p:nvSpPr>
+        <p:spPr/>
+        <p:txBody>
+          <a:bodyPr/>
+          <a:lstStyle/>
+          <a:p>
+            <a:endParaRPr lang="pt-BR"/>
+          </a:p>
+        </p:txBody>
+      </p:sp>
+    </p:spTree>
+    <p:extLst>
+      <p:ext uri="{BB962C8B-B14F-4D97-AF65-F5344CB8AC3E}">
+        <p14:creationId xmlns:p14="http://schemas.microsoft.com/office/powerpoint/2010/main" val="4049395317"/>
+      </p:ext>
+    </p:extLst>
+  </p:cSld>
+  <p:clrMapOvr>
+    <a:masterClrMapping/>
+  </p:clrMapOvr>
+</p:sld>
+</file>
+
+<file path=ppt/slides/slide19.xml><?xml version="1.0" encoding="utf-8"?>
+<p:sld xmlns:a="http://schemas.openxmlformats.org/drawingml/2006/main" xmlns:r="http://schemas.openxmlformats.org/officeDocument/2006/relationships" xmlns:p="http://schemas.openxmlformats.org/presentationml/2006/main">
+  <p:cSld>
+    <p:spTree>
+      <p:nvGrpSpPr>
+        <p:cNvPr id="1" name=""/>
+        <p:cNvGrpSpPr/>
+        <p:nvPr/>
+      </p:nvGrpSpPr>
+      <p:grpSpPr>
+        <a:xfrm>
+          <a:off x="0" y="0"/>
+          <a:ext cx="0" cy="0"/>
+          <a:chOff x="0" y="0"/>
+          <a:chExt cx="0" cy="0"/>
+        </a:xfrm>
+      </p:grpSpPr>
+      <p:sp>
+        <p:nvSpPr>
+          <p:cNvPr id="2" name="Título 1">
+            <a:extLst>
+              <a:ext uri="{FF2B5EF4-FFF2-40B4-BE49-F238E27FC236}">
+                <a16:creationId xmlns:a16="http://schemas.microsoft.com/office/drawing/2014/main" id="{545C7E28-F3AC-AD29-BAC9-0622ED01BCF1}"/>
+              </a:ext>
+            </a:extLst>
+          </p:cNvPr>
+          <p:cNvSpPr>
+            <a:spLocks noGrp="1"/>
+          </p:cNvSpPr>
+          <p:nvPr>
+            <p:ph type="title"/>
+          </p:nvPr>
+        </p:nvSpPr>
+        <p:spPr/>
+        <p:txBody>
+          <a:bodyPr/>
+          <a:lstStyle/>
+          <a:p>
+            <a:endParaRPr lang="pt-BR"/>
+          </a:p>
+        </p:txBody>
+      </p:sp>
+      <p:sp>
+        <p:nvSpPr>
+          <p:cNvPr id="3" name="Espaço Reservado para Conteúdo 2">
+            <a:extLst>
+              <a:ext uri="{FF2B5EF4-FFF2-40B4-BE49-F238E27FC236}">
+                <a16:creationId xmlns:a16="http://schemas.microsoft.com/office/drawing/2014/main" id="{82539E49-B5A7-9729-FD89-99CF1B5ED490}"/>
+              </a:ext>
+            </a:extLst>
+          </p:cNvPr>
+          <p:cNvSpPr>
+            <a:spLocks noGrp="1"/>
+          </p:cNvSpPr>
+          <p:nvPr>
+            <p:ph idx="1"/>
+          </p:nvPr>
+        </p:nvSpPr>
+        <p:spPr/>
+        <p:txBody>
+          <a:bodyPr/>
+          <a:lstStyle/>
+          <a:p>
+            <a:endParaRPr lang="pt-BR"/>
+          </a:p>
+        </p:txBody>
+      </p:sp>
+      <p:pic>
+        <p:nvPicPr>
+          <p:cNvPr id="5" name="Imagem 4">
+            <a:extLst>
+              <a:ext uri="{FF2B5EF4-FFF2-40B4-BE49-F238E27FC236}">
+                <a16:creationId xmlns:a16="http://schemas.microsoft.com/office/drawing/2014/main" id="{030F93A5-B8E6-0014-73ED-07570E2D9306}"/>
+              </a:ext>
+            </a:extLst>
+          </p:cNvPr>
+          <p:cNvPicPr>
+            <a:picLocks noChangeAspect="1"/>
+          </p:cNvPicPr>
+          <p:nvPr/>
+        </p:nvPicPr>
+        <p:blipFill>
+          <a:blip r:embed="rId2"/>
+          <a:stretch>
+            <a:fillRect/>
+          </a:stretch>
+        </p:blipFill>
+        <p:spPr>
+          <a:xfrm>
+            <a:off x="972541" y="0"/>
+            <a:ext cx="7198918" cy="6858000"/>
+          </a:xfrm>
+          <a:prstGeom prst="rect">
+            <a:avLst/>
+          </a:prstGeom>
+        </p:spPr>
+      </p:pic>
+    </p:spTree>
+    <p:extLst>
+      <p:ext uri="{BB962C8B-B14F-4D97-AF65-F5344CB8AC3E}">
+        <p14:creationId xmlns:p14="http://schemas.microsoft.com/office/powerpoint/2010/main" val="105286885"/>
       </p:ext>
     </p:extLst>
   </p:cSld>
@@ -3523,6 +4406,89 @@
         </p:txBody>
       </p:sp>
     </p:spTree>
+  </p:cSld>
+  <p:clrMapOvr>
+    <a:masterClrMapping/>
+  </p:clrMapOvr>
+</p:sld>
+</file>
+
+<file path=ppt/slides/slide20.xml><?xml version="1.0" encoding="utf-8"?>
+<p:sld xmlns:a="http://schemas.openxmlformats.org/drawingml/2006/main" xmlns:r="http://schemas.openxmlformats.org/officeDocument/2006/relationships" xmlns:p="http://schemas.openxmlformats.org/presentationml/2006/main">
+  <p:cSld>
+    <p:spTree>
+      <p:nvGrpSpPr>
+        <p:cNvPr id="1" name=""/>
+        <p:cNvGrpSpPr/>
+        <p:nvPr/>
+      </p:nvGrpSpPr>
+      <p:grpSpPr>
+        <a:xfrm>
+          <a:off x="0" y="0"/>
+          <a:ext cx="0" cy="0"/>
+          <a:chOff x="0" y="0"/>
+          <a:chExt cx="0" cy="0"/>
+        </a:xfrm>
+      </p:grpSpPr>
+      <p:sp>
+        <p:nvSpPr>
+          <p:cNvPr id="2" name="Título 1">
+            <a:extLst>
+              <a:ext uri="{FF2B5EF4-FFF2-40B4-BE49-F238E27FC236}">
+                <a16:creationId xmlns:a16="http://schemas.microsoft.com/office/drawing/2014/main" id="{E13F23D9-600F-D7F2-EA28-74791A9E9097}"/>
+              </a:ext>
+            </a:extLst>
+          </p:cNvPr>
+          <p:cNvSpPr>
+            <a:spLocks noGrp="1"/>
+          </p:cNvSpPr>
+          <p:nvPr>
+            <p:ph type="title"/>
+          </p:nvPr>
+        </p:nvSpPr>
+        <p:spPr/>
+        <p:txBody>
+          <a:bodyPr/>
+          <a:lstStyle/>
+          <a:p>
+            <a:r>
+              <a:rPr lang="pt-BR" dirty="0"/>
+              <a:t>Usando matrizes com funções</a:t>
+            </a:r>
+          </a:p>
+        </p:txBody>
+      </p:sp>
+      <p:sp>
+        <p:nvSpPr>
+          <p:cNvPr id="3" name="Espaço Reservado para Conteúdo 2">
+            <a:extLst>
+              <a:ext uri="{FF2B5EF4-FFF2-40B4-BE49-F238E27FC236}">
+                <a16:creationId xmlns:a16="http://schemas.microsoft.com/office/drawing/2014/main" id="{6006C90A-4141-D680-39F3-BE65F955DA42}"/>
+              </a:ext>
+            </a:extLst>
+          </p:cNvPr>
+          <p:cNvSpPr>
+            <a:spLocks noGrp="1"/>
+          </p:cNvSpPr>
+          <p:nvPr>
+            <p:ph idx="1"/>
+          </p:nvPr>
+        </p:nvSpPr>
+        <p:spPr/>
+        <p:txBody>
+          <a:bodyPr/>
+          <a:lstStyle/>
+          <a:p>
+            <a:endParaRPr lang="pt-BR"/>
+          </a:p>
+        </p:txBody>
+      </p:sp>
+    </p:spTree>
+    <p:extLst>
+      <p:ext uri="{BB962C8B-B14F-4D97-AF65-F5344CB8AC3E}">
+        <p14:creationId xmlns:p14="http://schemas.microsoft.com/office/powerpoint/2010/main" val="733405521"/>
+      </p:ext>
+    </p:extLst>
   </p:cSld>
   <p:clrMapOvr>
     <a:masterClrMapping/>
